--- a/Audits/Audit 2/audit2.pptx
+++ b/Audits/Audit 2/audit2.pptx
@@ -5,7 +5,7 @@
     <p:sldMasterId id="2147483659" r:id="rId1"/>
   </p:sldMasterIdLst>
   <p:notesMasterIdLst>
-    <p:notesMasterId r:id="rId9"/>
+    <p:notesMasterId r:id="rId16"/>
   </p:notesMasterIdLst>
   <p:sldIdLst>
     <p:sldId id="256" r:id="rId2"/>
@@ -15,6 +15,13 @@
     <p:sldId id="258" r:id="rId6"/>
     <p:sldId id="260" r:id="rId7"/>
     <p:sldId id="262" r:id="rId8"/>
+    <p:sldId id="263" r:id="rId9"/>
+    <p:sldId id="264" r:id="rId10"/>
+    <p:sldId id="265" r:id="rId11"/>
+    <p:sldId id="269" r:id="rId12"/>
+    <p:sldId id="266" r:id="rId13"/>
+    <p:sldId id="267" r:id="rId14"/>
+    <p:sldId id="268" r:id="rId15"/>
   </p:sldIdLst>
   <p:sldSz cx="12192000" cy="6858000"/>
   <p:notesSz cx="6858000" cy="9144000"/>
@@ -247,6 +254,11 @@
       </a:defRPr>
     </a:lvl9pPr>
   </p:defaultTextStyle>
+  <p:extLst>
+    <p:ext uri="{EFAFB233-063F-42B5-8137-9DF3F51BA10A}">
+      <p15:sldGuideLst xmlns:p15="http://schemas.microsoft.com/office/powerpoint/2012/main"/>
+    </p:ext>
+  </p:extLst>
 </p:presentation>
 </file>
 
@@ -12319,6 +12331,562 @@
         </p:txBody>
       </p:sp>
     </p:spTree>
+  </p:cSld>
+  <p:clrMapOvr>
+    <a:masterClrMapping/>
+  </p:clrMapOvr>
+</p:sld>
+</file>
+
+<file path=ppt/slides/slide10.xml><?xml version="1.0" encoding="utf-8"?>
+<p:sld xmlns:a="http://schemas.openxmlformats.org/drawingml/2006/main" xmlns:r="http://schemas.openxmlformats.org/officeDocument/2006/relationships" xmlns:p="http://schemas.openxmlformats.org/presentationml/2006/main">
+  <p:cSld>
+    <p:spTree>
+      <p:nvGrpSpPr>
+        <p:cNvPr id="1" name=""/>
+        <p:cNvGrpSpPr/>
+        <p:nvPr/>
+      </p:nvGrpSpPr>
+      <p:grpSpPr>
+        <a:xfrm>
+          <a:off x="0" y="0"/>
+          <a:ext cx="0" cy="0"/>
+          <a:chOff x="0" y="0"/>
+          <a:chExt cx="0" cy="0"/>
+        </a:xfrm>
+      </p:grpSpPr>
+      <p:sp>
+        <p:nvSpPr>
+          <p:cNvPr id="2" name="Titel 1">
+            <a:extLst>
+              <a:ext uri="{FF2B5EF4-FFF2-40B4-BE49-F238E27FC236}">
+                <a16:creationId xmlns:a16="http://schemas.microsoft.com/office/drawing/2014/main" id="{8EE27BFE-7813-4A0F-A258-285679BFAC6D}"/>
+              </a:ext>
+            </a:extLst>
+          </p:cNvPr>
+          <p:cNvSpPr>
+            <a:spLocks noGrp="1"/>
+          </p:cNvSpPr>
+          <p:nvPr>
+            <p:ph type="title"/>
+          </p:nvPr>
+        </p:nvSpPr>
+        <p:spPr/>
+        <p:txBody>
+          <a:bodyPr/>
+          <a:lstStyle/>
+          <a:p>
+            <a:endParaRPr lang="de-DE"/>
+          </a:p>
+        </p:txBody>
+      </p:sp>
+      <p:sp>
+        <p:nvSpPr>
+          <p:cNvPr id="3" name="Textplatzhalter 2">
+            <a:extLst>
+              <a:ext uri="{FF2B5EF4-FFF2-40B4-BE49-F238E27FC236}">
+                <a16:creationId xmlns:a16="http://schemas.microsoft.com/office/drawing/2014/main" id="{23068166-CD26-45FB-8F3F-BDE5E3CF9FBF}"/>
+              </a:ext>
+            </a:extLst>
+          </p:cNvPr>
+          <p:cNvSpPr>
+            <a:spLocks noGrp="1"/>
+          </p:cNvSpPr>
+          <p:nvPr>
+            <p:ph type="body" idx="1"/>
+          </p:nvPr>
+        </p:nvSpPr>
+        <p:spPr/>
+        <p:txBody>
+          <a:bodyPr/>
+          <a:lstStyle/>
+          <a:p>
+            <a:endParaRPr lang="de-DE"/>
+          </a:p>
+        </p:txBody>
+      </p:sp>
+      <p:pic>
+        <p:nvPicPr>
+          <p:cNvPr id="4" name="Grafik 3">
+            <a:extLst>
+              <a:ext uri="{FF2B5EF4-FFF2-40B4-BE49-F238E27FC236}">
+                <a16:creationId xmlns:a16="http://schemas.microsoft.com/office/drawing/2014/main" id="{ECF4F849-AA1E-4418-ACCF-D6FCA29014B7}"/>
+              </a:ext>
+            </a:extLst>
+          </p:cNvPr>
+          <p:cNvPicPr>
+            <a:picLocks noChangeAspect="1"/>
+          </p:cNvPicPr>
+          <p:nvPr/>
+        </p:nvPicPr>
+        <p:blipFill>
+          <a:blip r:embed="rId2"/>
+          <a:stretch>
+            <a:fillRect/>
+          </a:stretch>
+        </p:blipFill>
+        <p:spPr>
+          <a:xfrm>
+            <a:off x="0" y="0"/>
+            <a:ext cx="12191999" cy="6858000"/>
+          </a:xfrm>
+          <a:prstGeom prst="rect">
+            <a:avLst/>
+          </a:prstGeom>
+        </p:spPr>
+      </p:pic>
+    </p:spTree>
+    <p:extLst>
+      <p:ext uri="{BB962C8B-B14F-4D97-AF65-F5344CB8AC3E}">
+        <p14:creationId xmlns:p14="http://schemas.microsoft.com/office/powerpoint/2010/main" val="3130431688"/>
+      </p:ext>
+    </p:extLst>
+  </p:cSld>
+  <p:clrMapOvr>
+    <a:masterClrMapping/>
+  </p:clrMapOvr>
+</p:sld>
+</file>
+
+<file path=ppt/slides/slide11.xml><?xml version="1.0" encoding="utf-8"?>
+<p:sld xmlns:a="http://schemas.openxmlformats.org/drawingml/2006/main" xmlns:r="http://schemas.openxmlformats.org/officeDocument/2006/relationships" xmlns:p="http://schemas.openxmlformats.org/presentationml/2006/main">
+  <p:cSld>
+    <p:spTree>
+      <p:nvGrpSpPr>
+        <p:cNvPr id="1" name=""/>
+        <p:cNvGrpSpPr/>
+        <p:nvPr/>
+      </p:nvGrpSpPr>
+      <p:grpSpPr>
+        <a:xfrm>
+          <a:off x="0" y="0"/>
+          <a:ext cx="0" cy="0"/>
+          <a:chOff x="0" y="0"/>
+          <a:chExt cx="0" cy="0"/>
+        </a:xfrm>
+      </p:grpSpPr>
+      <p:sp>
+        <p:nvSpPr>
+          <p:cNvPr id="2" name="Titel 1">
+            <a:extLst>
+              <a:ext uri="{FF2B5EF4-FFF2-40B4-BE49-F238E27FC236}">
+                <a16:creationId xmlns:a16="http://schemas.microsoft.com/office/drawing/2014/main" id="{84B714C5-3445-444A-9473-C2E3B0438AD5}"/>
+              </a:ext>
+            </a:extLst>
+          </p:cNvPr>
+          <p:cNvSpPr>
+            <a:spLocks noGrp="1"/>
+          </p:cNvSpPr>
+          <p:nvPr>
+            <p:ph type="title"/>
+          </p:nvPr>
+        </p:nvSpPr>
+        <p:spPr/>
+        <p:txBody>
+          <a:bodyPr/>
+          <a:lstStyle/>
+          <a:p>
+            <a:r>
+              <a:rPr lang="de-DE" dirty="0"/>
+              <a:t>Monitoring</a:t>
+            </a:r>
+          </a:p>
+        </p:txBody>
+      </p:sp>
+      <p:sp>
+        <p:nvSpPr>
+          <p:cNvPr id="3" name="Textplatzhalter 2">
+            <a:extLst>
+              <a:ext uri="{FF2B5EF4-FFF2-40B4-BE49-F238E27FC236}">
+                <a16:creationId xmlns:a16="http://schemas.microsoft.com/office/drawing/2014/main" id="{5D921802-7A5C-4C3F-967E-8C9111B6875B}"/>
+              </a:ext>
+            </a:extLst>
+          </p:cNvPr>
+          <p:cNvSpPr>
+            <a:spLocks noGrp="1"/>
+          </p:cNvSpPr>
+          <p:nvPr>
+            <p:ph type="body" idx="1"/>
+          </p:nvPr>
+        </p:nvSpPr>
+        <p:spPr/>
+        <p:txBody>
+          <a:bodyPr/>
+          <a:lstStyle/>
+          <a:p>
+            <a:r>
+              <a:rPr lang="de-DE" dirty="0"/>
+              <a:t>Welche Daten werden von dem Nutzer benötigt?</a:t>
+            </a:r>
+          </a:p>
+          <a:p>
+            <a:r>
+              <a:rPr lang="de-DE" dirty="0"/>
+              <a:t>Welche Daten müssen intern gespeichert werden?</a:t>
+            </a:r>
+          </a:p>
+        </p:txBody>
+      </p:sp>
+      <p:pic>
+        <p:nvPicPr>
+          <p:cNvPr id="5" name="Grafik 4">
+            <a:extLst>
+              <a:ext uri="{FF2B5EF4-FFF2-40B4-BE49-F238E27FC236}">
+                <a16:creationId xmlns:a16="http://schemas.microsoft.com/office/drawing/2014/main" id="{563FAB01-8883-4772-B29B-9DBE4EE647FD}"/>
+              </a:ext>
+            </a:extLst>
+          </p:cNvPr>
+          <p:cNvPicPr>
+            <a:picLocks noChangeAspect="1"/>
+          </p:cNvPicPr>
+          <p:nvPr/>
+        </p:nvPicPr>
+        <p:blipFill>
+          <a:blip r:embed="rId2"/>
+          <a:stretch>
+            <a:fillRect/>
+          </a:stretch>
+        </p:blipFill>
+        <p:spPr>
+          <a:xfrm>
+            <a:off x="838200" y="2905366"/>
+            <a:ext cx="4803961" cy="3271597"/>
+          </a:xfrm>
+          <a:prstGeom prst="rect">
+            <a:avLst/>
+          </a:prstGeom>
+        </p:spPr>
+      </p:pic>
+    </p:spTree>
+    <p:extLst>
+      <p:ext uri="{BB962C8B-B14F-4D97-AF65-F5344CB8AC3E}">
+        <p14:creationId xmlns:p14="http://schemas.microsoft.com/office/powerpoint/2010/main" val="2273108170"/>
+      </p:ext>
+    </p:extLst>
+  </p:cSld>
+  <p:clrMapOvr>
+    <a:masterClrMapping/>
+  </p:clrMapOvr>
+</p:sld>
+</file>
+
+<file path=ppt/slides/slide12.xml><?xml version="1.0" encoding="utf-8"?>
+<p:sld xmlns:a="http://schemas.openxmlformats.org/drawingml/2006/main" xmlns:r="http://schemas.openxmlformats.org/officeDocument/2006/relationships" xmlns:p="http://schemas.openxmlformats.org/presentationml/2006/main">
+  <p:cSld>
+    <p:spTree>
+      <p:nvGrpSpPr>
+        <p:cNvPr id="1" name=""/>
+        <p:cNvGrpSpPr/>
+        <p:nvPr/>
+      </p:nvGrpSpPr>
+      <p:grpSpPr>
+        <a:xfrm>
+          <a:off x="0" y="0"/>
+          <a:ext cx="0" cy="0"/>
+          <a:chOff x="0" y="0"/>
+          <a:chExt cx="0" cy="0"/>
+        </a:xfrm>
+      </p:grpSpPr>
+      <p:sp>
+        <p:nvSpPr>
+          <p:cNvPr id="2" name="Titel 1">
+            <a:extLst>
+              <a:ext uri="{FF2B5EF4-FFF2-40B4-BE49-F238E27FC236}">
+                <a16:creationId xmlns:a16="http://schemas.microsoft.com/office/drawing/2014/main" id="{E1176B8F-7D7E-40F7-A977-FC0A74FB4EAC}"/>
+              </a:ext>
+            </a:extLst>
+          </p:cNvPr>
+          <p:cNvSpPr>
+            <a:spLocks noGrp="1"/>
+          </p:cNvSpPr>
+          <p:nvPr>
+            <p:ph type="title"/>
+          </p:nvPr>
+        </p:nvSpPr>
+        <p:spPr/>
+        <p:txBody>
+          <a:bodyPr/>
+          <a:lstStyle/>
+          <a:p>
+            <a:r>
+              <a:rPr lang="de-DE" dirty="0"/>
+              <a:t>Initiativaktionen</a:t>
+            </a:r>
+          </a:p>
+        </p:txBody>
+      </p:sp>
+      <p:sp>
+        <p:nvSpPr>
+          <p:cNvPr id="3" name="Textplatzhalter 2">
+            <a:extLst>
+              <a:ext uri="{FF2B5EF4-FFF2-40B4-BE49-F238E27FC236}">
+                <a16:creationId xmlns:a16="http://schemas.microsoft.com/office/drawing/2014/main" id="{79868DCE-8A94-4984-AC87-92EF0756392B}"/>
+              </a:ext>
+            </a:extLst>
+          </p:cNvPr>
+          <p:cNvSpPr>
+            <a:spLocks noGrp="1"/>
+          </p:cNvSpPr>
+          <p:nvPr>
+            <p:ph type="body" idx="1"/>
+          </p:nvPr>
+        </p:nvSpPr>
+        <p:spPr/>
+        <p:txBody>
+          <a:bodyPr/>
+          <a:lstStyle/>
+          <a:p>
+            <a:r>
+              <a:rPr lang="de-DE" dirty="0"/>
+              <a:t>Wie verhält sich unser System gegenüber dem Nutzer.</a:t>
+            </a:r>
+          </a:p>
+          <a:p>
+            <a:r>
+              <a:rPr lang="de-DE" dirty="0"/>
+              <a:t>Aspekte sind Häufigkeit, Schwierigkeit, Rückmeldung und Bewertung.</a:t>
+            </a:r>
+          </a:p>
+          <a:p>
+            <a:r>
+              <a:rPr lang="de-DE" dirty="0"/>
+              <a:t>Wie häufig kommen Angriffe?</a:t>
+            </a:r>
+          </a:p>
+          <a:p>
+            <a:r>
+              <a:rPr lang="de-DE" dirty="0"/>
+              <a:t>Wie schwierig sind die Angriffe?</a:t>
+            </a:r>
+          </a:p>
+          <a:p>
+            <a:r>
+              <a:rPr lang="de-DE" dirty="0"/>
+              <a:t>Wie gibt unser System dem Nutzer eine Rückmeldung?</a:t>
+            </a:r>
+          </a:p>
+          <a:p>
+            <a:r>
+              <a:rPr lang="de-DE" dirty="0"/>
+              <a:t>Wie bewertet die Lernplattform den Nutzer?</a:t>
+            </a:r>
+          </a:p>
+        </p:txBody>
+      </p:sp>
+    </p:spTree>
+    <p:extLst>
+      <p:ext uri="{BB962C8B-B14F-4D97-AF65-F5344CB8AC3E}">
+        <p14:creationId xmlns:p14="http://schemas.microsoft.com/office/powerpoint/2010/main" val="2274405270"/>
+      </p:ext>
+    </p:extLst>
+  </p:cSld>
+  <p:clrMapOvr>
+    <a:masterClrMapping/>
+  </p:clrMapOvr>
+</p:sld>
+</file>
+
+<file path=ppt/slides/slide13.xml><?xml version="1.0" encoding="utf-8"?>
+<p:sld xmlns:a="http://schemas.openxmlformats.org/drawingml/2006/main" xmlns:r="http://schemas.openxmlformats.org/officeDocument/2006/relationships" xmlns:p="http://schemas.openxmlformats.org/presentationml/2006/main">
+  <p:cSld>
+    <p:spTree>
+      <p:nvGrpSpPr>
+        <p:cNvPr id="1" name=""/>
+        <p:cNvGrpSpPr/>
+        <p:nvPr/>
+      </p:nvGrpSpPr>
+      <p:grpSpPr>
+        <a:xfrm>
+          <a:off x="0" y="0"/>
+          <a:ext cx="0" cy="0"/>
+          <a:chOff x="0" y="0"/>
+          <a:chExt cx="0" cy="0"/>
+        </a:xfrm>
+      </p:grpSpPr>
+      <p:sp>
+        <p:nvSpPr>
+          <p:cNvPr id="2" name="Titel 1">
+            <a:extLst>
+              <a:ext uri="{FF2B5EF4-FFF2-40B4-BE49-F238E27FC236}">
+                <a16:creationId xmlns:a16="http://schemas.microsoft.com/office/drawing/2014/main" id="{AFFB4D2F-FC82-4964-ADFF-F7B32E0F6E3E}"/>
+              </a:ext>
+            </a:extLst>
+          </p:cNvPr>
+          <p:cNvSpPr>
+            <a:spLocks noGrp="1"/>
+          </p:cNvSpPr>
+          <p:nvPr>
+            <p:ph type="title"/>
+          </p:nvPr>
+        </p:nvSpPr>
+        <p:spPr/>
+        <p:txBody>
+          <a:bodyPr/>
+          <a:lstStyle/>
+          <a:p>
+            <a:r>
+              <a:rPr lang="de-DE" dirty="0"/>
+              <a:t>E-Mail Angriffe / Werbeanzeigen</a:t>
+            </a:r>
+          </a:p>
+        </p:txBody>
+      </p:sp>
+      <p:sp>
+        <p:nvSpPr>
+          <p:cNvPr id="3" name="Textplatzhalter 2">
+            <a:extLst>
+              <a:ext uri="{FF2B5EF4-FFF2-40B4-BE49-F238E27FC236}">
+                <a16:creationId xmlns:a16="http://schemas.microsoft.com/office/drawing/2014/main" id="{284217AB-DE98-4F80-8131-436DCD7223F2}"/>
+              </a:ext>
+            </a:extLst>
+          </p:cNvPr>
+          <p:cNvSpPr>
+            <a:spLocks noGrp="1"/>
+          </p:cNvSpPr>
+          <p:nvPr>
+            <p:ph type="body" idx="1"/>
+          </p:nvPr>
+        </p:nvSpPr>
+        <p:spPr/>
+        <p:txBody>
+          <a:bodyPr/>
+          <a:lstStyle/>
+          <a:p>
+            <a:r>
+              <a:rPr lang="de-DE" dirty="0"/>
+              <a:t>E-Mail Angriffe haben verschiedene Schwierigkeitsstufen.</a:t>
+            </a:r>
+          </a:p>
+          <a:p>
+            <a:r>
+              <a:rPr lang="de-DE" dirty="0"/>
+              <a:t>Einteilung erfolgt durch Eigenschaften der Mail.</a:t>
+            </a:r>
+          </a:p>
+          <a:p>
+            <a:r>
+              <a:rPr lang="de-DE" dirty="0"/>
+              <a:t>Begrenzte Möglichkeiten durch Aspekte des Datenschutzes und Ethischer Leitlinien.</a:t>
+            </a:r>
+          </a:p>
+          <a:p>
+            <a:r>
+              <a:rPr lang="de-DE" dirty="0"/>
+              <a:t>E-Mail und Werbeanzeigen haben eine Elo-Zahl.</a:t>
+            </a:r>
+          </a:p>
+        </p:txBody>
+      </p:sp>
+    </p:spTree>
+    <p:extLst>
+      <p:ext uri="{BB962C8B-B14F-4D97-AF65-F5344CB8AC3E}">
+        <p14:creationId xmlns:p14="http://schemas.microsoft.com/office/powerpoint/2010/main" val="3532135155"/>
+      </p:ext>
+    </p:extLst>
+  </p:cSld>
+  <p:clrMapOvr>
+    <a:masterClrMapping/>
+  </p:clrMapOvr>
+</p:sld>
+</file>
+
+<file path=ppt/slides/slide14.xml><?xml version="1.0" encoding="utf-8"?>
+<p:sld xmlns:a="http://schemas.openxmlformats.org/drawingml/2006/main" xmlns:r="http://schemas.openxmlformats.org/officeDocument/2006/relationships" xmlns:p="http://schemas.openxmlformats.org/presentationml/2006/main">
+  <p:cSld>
+    <p:spTree>
+      <p:nvGrpSpPr>
+        <p:cNvPr id="1" name=""/>
+        <p:cNvGrpSpPr/>
+        <p:nvPr/>
+      </p:nvGrpSpPr>
+      <p:grpSpPr>
+        <a:xfrm>
+          <a:off x="0" y="0"/>
+          <a:ext cx="0" cy="0"/>
+          <a:chOff x="0" y="0"/>
+          <a:chExt cx="0" cy="0"/>
+        </a:xfrm>
+      </p:grpSpPr>
+      <p:sp>
+        <p:nvSpPr>
+          <p:cNvPr id="2" name="Titel 1">
+            <a:extLst>
+              <a:ext uri="{FF2B5EF4-FFF2-40B4-BE49-F238E27FC236}">
+                <a16:creationId xmlns:a16="http://schemas.microsoft.com/office/drawing/2014/main" id="{D52B443A-B14C-489B-B9BA-4C081C86B718}"/>
+              </a:ext>
+            </a:extLst>
+          </p:cNvPr>
+          <p:cNvSpPr>
+            <a:spLocks noGrp="1"/>
+          </p:cNvSpPr>
+          <p:nvPr>
+            <p:ph type="title"/>
+          </p:nvPr>
+        </p:nvSpPr>
+        <p:spPr/>
+        <p:txBody>
+          <a:bodyPr/>
+          <a:lstStyle/>
+          <a:p>
+            <a:r>
+              <a:rPr lang="de-DE" dirty="0"/>
+              <a:t>Module</a:t>
+            </a:r>
+          </a:p>
+        </p:txBody>
+      </p:sp>
+      <p:sp>
+        <p:nvSpPr>
+          <p:cNvPr id="3" name="Textplatzhalter 2">
+            <a:extLst>
+              <a:ext uri="{FF2B5EF4-FFF2-40B4-BE49-F238E27FC236}">
+                <a16:creationId xmlns:a16="http://schemas.microsoft.com/office/drawing/2014/main" id="{0764B29F-CD35-4EF8-B4FD-2937A43048F1}"/>
+              </a:ext>
+            </a:extLst>
+          </p:cNvPr>
+          <p:cNvSpPr>
+            <a:spLocks noGrp="1"/>
+          </p:cNvSpPr>
+          <p:nvPr>
+            <p:ph type="body" idx="1"/>
+          </p:nvPr>
+        </p:nvSpPr>
+        <p:spPr/>
+        <p:txBody>
+          <a:bodyPr/>
+          <a:lstStyle/>
+          <a:p>
+            <a:r>
+              <a:rPr lang="de-DE" dirty="0"/>
+              <a:t>Weboberfläche für den Nutzer und den Administrator.</a:t>
+            </a:r>
+          </a:p>
+          <a:p>
+            <a:r>
+              <a:rPr lang="de-DE" dirty="0"/>
+              <a:t>Angriffsmodul mit Templates</a:t>
+            </a:r>
+          </a:p>
+          <a:p>
+            <a:r>
+              <a:rPr lang="de-DE" dirty="0"/>
+              <a:t>Bewertungsmodul als Kern für die Elo-Berechnung</a:t>
+            </a:r>
+          </a:p>
+          <a:p>
+            <a:r>
+              <a:rPr lang="de-DE" dirty="0"/>
+              <a:t>Nutzerdatenbank mit den nötigen Informationen</a:t>
+            </a:r>
+          </a:p>
+        </p:txBody>
+      </p:sp>
+    </p:spTree>
+    <p:extLst>
+      <p:ext uri="{BB962C8B-B14F-4D97-AF65-F5344CB8AC3E}">
+        <p14:creationId xmlns:p14="http://schemas.microsoft.com/office/powerpoint/2010/main" val="3604986511"/>
+      </p:ext>
+    </p:extLst>
   </p:cSld>
   <p:clrMapOvr>
     <a:masterClrMapping/>
@@ -13684,6 +14252,241 @@
 </p:sld>
 </file>
 
+<file path=ppt/slides/slide8.xml><?xml version="1.0" encoding="utf-8"?>
+<p:sld xmlns:a="http://schemas.openxmlformats.org/drawingml/2006/main" xmlns:r="http://schemas.openxmlformats.org/officeDocument/2006/relationships" xmlns:p="http://schemas.openxmlformats.org/presentationml/2006/main">
+  <p:cSld>
+    <p:spTree>
+      <p:nvGrpSpPr>
+        <p:cNvPr id="1" name=""/>
+        <p:cNvGrpSpPr/>
+        <p:nvPr/>
+      </p:nvGrpSpPr>
+      <p:grpSpPr>
+        <a:xfrm>
+          <a:off x="0" y="0"/>
+          <a:ext cx="0" cy="0"/>
+          <a:chOff x="0" y="0"/>
+          <a:chExt cx="0" cy="0"/>
+        </a:xfrm>
+      </p:grpSpPr>
+      <p:sp>
+        <p:nvSpPr>
+          <p:cNvPr id="2" name="Titel 1">
+            <a:extLst>
+              <a:ext uri="{FF2B5EF4-FFF2-40B4-BE49-F238E27FC236}">
+                <a16:creationId xmlns:a16="http://schemas.microsoft.com/office/drawing/2014/main" id="{80E11470-1B65-48B7-93EE-E6A249564E6E}"/>
+              </a:ext>
+            </a:extLst>
+          </p:cNvPr>
+          <p:cNvSpPr>
+            <a:spLocks noGrp="1"/>
+          </p:cNvSpPr>
+          <p:nvPr>
+            <p:ph type="title"/>
+          </p:nvPr>
+        </p:nvSpPr>
+        <p:spPr/>
+        <p:txBody>
+          <a:bodyPr/>
+          <a:lstStyle/>
+          <a:p>
+            <a:r>
+              <a:rPr lang="de-DE" dirty="0"/>
+              <a:t>Hauptperspektive</a:t>
+            </a:r>
+          </a:p>
+        </p:txBody>
+      </p:sp>
+      <p:sp>
+        <p:nvSpPr>
+          <p:cNvPr id="3" name="Textplatzhalter 2">
+            <a:extLst>
+              <a:ext uri="{FF2B5EF4-FFF2-40B4-BE49-F238E27FC236}">
+                <a16:creationId xmlns:a16="http://schemas.microsoft.com/office/drawing/2014/main" id="{06BC70D7-ED85-44A3-9A65-38BE739D9F12}"/>
+              </a:ext>
+            </a:extLst>
+          </p:cNvPr>
+          <p:cNvSpPr>
+            <a:spLocks noGrp="1"/>
+          </p:cNvSpPr>
+          <p:nvPr>
+            <p:ph type="body" idx="1"/>
+          </p:nvPr>
+        </p:nvSpPr>
+        <p:spPr/>
+        <p:txBody>
+          <a:bodyPr/>
+          <a:lstStyle/>
+          <a:p>
+            <a:r>
+              <a:rPr lang="de-DE" dirty="0"/>
+              <a:t>Für den zweiten Audit wurden weitere Artefakte zu der Hauptperspektive erstellt:</a:t>
+            </a:r>
+          </a:p>
+          <a:p>
+            <a:r>
+              <a:rPr lang="de-DE" dirty="0"/>
+              <a:t>Allgemeine Fragestellungen zu der Hauptperspektive geklärt.</a:t>
+            </a:r>
+          </a:p>
+          <a:p>
+            <a:r>
+              <a:rPr lang="de-DE" dirty="0"/>
+              <a:t>Grafische Weboberfläche der Lernplattform erstellt.</a:t>
+            </a:r>
+          </a:p>
+          <a:p>
+            <a:r>
+              <a:rPr lang="de-DE" dirty="0"/>
+              <a:t>Elo-Zahl als Bewertungsstrategie</a:t>
+            </a:r>
+          </a:p>
+          <a:p>
+            <a:r>
+              <a:rPr lang="de-DE" dirty="0"/>
+              <a:t>Initiativaktionen der Lernplattform</a:t>
+            </a:r>
+          </a:p>
+          <a:p>
+            <a:r>
+              <a:rPr lang="de-DE" dirty="0"/>
+              <a:t>E-Mail Angriffe spezifiziert.</a:t>
+            </a:r>
+          </a:p>
+          <a:p>
+            <a:r>
+              <a:rPr lang="de-DE" dirty="0"/>
+              <a:t>Wichtige Module der Lernplattform festgehalten und erklärt.</a:t>
+            </a:r>
+          </a:p>
+          <a:p>
+            <a:endParaRPr lang="de-DE" dirty="0"/>
+          </a:p>
+        </p:txBody>
+      </p:sp>
+    </p:spTree>
+    <p:extLst>
+      <p:ext uri="{BB962C8B-B14F-4D97-AF65-F5344CB8AC3E}">
+        <p14:creationId xmlns:p14="http://schemas.microsoft.com/office/powerpoint/2010/main" val="2244667410"/>
+      </p:ext>
+    </p:extLst>
+  </p:cSld>
+  <p:clrMapOvr>
+    <a:masterClrMapping/>
+  </p:clrMapOvr>
+</p:sld>
+</file>
+
+<file path=ppt/slides/slide9.xml><?xml version="1.0" encoding="utf-8"?>
+<p:sld xmlns:a="http://schemas.openxmlformats.org/drawingml/2006/main" xmlns:r="http://schemas.openxmlformats.org/officeDocument/2006/relationships" xmlns:p="http://schemas.openxmlformats.org/presentationml/2006/main">
+  <p:cSld>
+    <p:spTree>
+      <p:nvGrpSpPr>
+        <p:cNvPr id="1" name=""/>
+        <p:cNvGrpSpPr/>
+        <p:nvPr/>
+      </p:nvGrpSpPr>
+      <p:grpSpPr>
+        <a:xfrm>
+          <a:off x="0" y="0"/>
+          <a:ext cx="0" cy="0"/>
+          <a:chOff x="0" y="0"/>
+          <a:chExt cx="0" cy="0"/>
+        </a:xfrm>
+      </p:grpSpPr>
+      <p:sp>
+        <p:nvSpPr>
+          <p:cNvPr id="2" name="Titel 1">
+            <a:extLst>
+              <a:ext uri="{FF2B5EF4-FFF2-40B4-BE49-F238E27FC236}">
+                <a16:creationId xmlns:a16="http://schemas.microsoft.com/office/drawing/2014/main" id="{86BB8558-C799-47FD-A1AA-9ADBC451AD83}"/>
+              </a:ext>
+            </a:extLst>
+          </p:cNvPr>
+          <p:cNvSpPr>
+            <a:spLocks noGrp="1"/>
+          </p:cNvSpPr>
+          <p:nvPr>
+            <p:ph type="title"/>
+          </p:nvPr>
+        </p:nvSpPr>
+        <p:spPr/>
+        <p:txBody>
+          <a:bodyPr/>
+          <a:lstStyle/>
+          <a:p>
+            <a:endParaRPr lang="de-DE" dirty="0"/>
+          </a:p>
+        </p:txBody>
+      </p:sp>
+      <p:sp>
+        <p:nvSpPr>
+          <p:cNvPr id="3" name="Textplatzhalter 2">
+            <a:extLst>
+              <a:ext uri="{FF2B5EF4-FFF2-40B4-BE49-F238E27FC236}">
+                <a16:creationId xmlns:a16="http://schemas.microsoft.com/office/drawing/2014/main" id="{7D98A54C-8D92-494D-BC3A-D588FFD0CAD9}"/>
+              </a:ext>
+            </a:extLst>
+          </p:cNvPr>
+          <p:cNvSpPr>
+            <a:spLocks noGrp="1"/>
+          </p:cNvSpPr>
+          <p:nvPr>
+            <p:ph type="body" idx="1"/>
+          </p:nvPr>
+        </p:nvSpPr>
+        <p:spPr/>
+        <p:txBody>
+          <a:bodyPr/>
+          <a:lstStyle/>
+          <a:p>
+            <a:endParaRPr lang="de-DE"/>
+          </a:p>
+        </p:txBody>
+      </p:sp>
+      <p:pic>
+        <p:nvPicPr>
+          <p:cNvPr id="5" name="Grafik 4">
+            <a:extLst>
+              <a:ext uri="{FF2B5EF4-FFF2-40B4-BE49-F238E27FC236}">
+                <a16:creationId xmlns:a16="http://schemas.microsoft.com/office/drawing/2014/main" id="{1B0E1B02-B2E9-475C-9708-D82F56AF9899}"/>
+              </a:ext>
+            </a:extLst>
+          </p:cNvPr>
+          <p:cNvPicPr>
+            <a:picLocks noChangeAspect="1"/>
+          </p:cNvPicPr>
+          <p:nvPr/>
+        </p:nvPicPr>
+        <p:blipFill>
+          <a:blip r:embed="rId2"/>
+          <a:stretch>
+            <a:fillRect/>
+          </a:stretch>
+        </p:blipFill>
+        <p:spPr>
+          <a:xfrm>
+            <a:off x="0" y="0"/>
+            <a:ext cx="12191999" cy="6858000"/>
+          </a:xfrm>
+          <a:prstGeom prst="rect">
+            <a:avLst/>
+          </a:prstGeom>
+        </p:spPr>
+      </p:pic>
+    </p:spTree>
+    <p:extLst>
+      <p:ext uri="{BB962C8B-B14F-4D97-AF65-F5344CB8AC3E}">
+        <p14:creationId xmlns:p14="http://schemas.microsoft.com/office/powerpoint/2010/main" val="2978416504"/>
+      </p:ext>
+    </p:extLst>
+  </p:cSld>
+  <p:clrMapOvr>
+    <a:masterClrMapping/>
+  </p:clrMapOvr>
+</p:sld>
+</file>
+
 <file path=ppt/theme/theme1.xml><?xml version="1.0" encoding="utf-8"?>
 <a:theme xmlns:a="http://schemas.openxmlformats.org/drawingml/2006/main" name="Office">
   <a:themeElements>
